--- a/turtle_games_Alex_Nott_presentation.pptx
+++ b/turtle_games_Alex_Nott_presentation.pptx
@@ -7857,6 +7857,53 @@
           <a:chExt cx="0" cy="0"/>
         </a:xfrm>
       </p:grpSpPr>
+      <p:pic>
+        <p:nvPicPr>
+          <p:cNvPr id="1026" name="Picture 2">
+            <a:extLst>
+              <a:ext uri="{FF2B5EF4-FFF2-40B4-BE49-F238E27FC236}">
+                <a16:creationId xmlns:a16="http://schemas.microsoft.com/office/drawing/2014/main" id="{3E8F25F4-3500-8FC6-BBBE-8C5B7254F7C8}"/>
+              </a:ext>
+            </a:extLst>
+          </p:cNvPr>
+          <p:cNvPicPr>
+            <a:picLocks noChangeAspect="1" noChangeArrowheads="1"/>
+          </p:cNvPicPr>
+          <p:nvPr/>
+        </p:nvPicPr>
+        <p:blipFill>
+          <a:blip r:embed="rId2">
+            <a:extLst>
+              <a:ext uri="{28A0092B-C50C-407E-A947-70E740481C1C}">
+                <a14:useLocalDpi xmlns:a14="http://schemas.microsoft.com/office/drawing/2010/main" val="0"/>
+              </a:ext>
+            </a:extLst>
+          </a:blip>
+          <a:srcRect/>
+          <a:stretch>
+            <a:fillRect/>
+          </a:stretch>
+        </p:blipFill>
+        <p:spPr bwMode="auto">
+          <a:xfrm>
+            <a:off x="5362957" y="1375555"/>
+            <a:ext cx="6764278" cy="4715706"/>
+          </a:xfrm>
+          <a:prstGeom prst="rect">
+            <a:avLst/>
+          </a:prstGeom>
+          <a:noFill/>
+          <a:extLst>
+            <a:ext uri="{909E8E84-426E-40DD-AFC4-6F175D3DCCD1}">
+              <a14:hiddenFill xmlns:a14="http://schemas.microsoft.com/office/drawing/2010/main">
+                <a:solidFill>
+                  <a:srgbClr val="FFFFFF"/>
+                </a:solidFill>
+              </a14:hiddenFill>
+            </a:ext>
+          </a:extLst>
+        </p:spPr>
+      </p:pic>
       <p:sp>
         <p:nvSpPr>
           <p:cNvPr id="2" name="Title 1">
@@ -8048,7 +8095,7 @@
           <p:nvPr/>
         </p:nvPicPr>
         <p:blipFill>
-          <a:blip r:embed="rId2">
+          <a:blip r:embed="rId3">
             <a:extLst>
               <a:ext uri="{28A0092B-C50C-407E-A947-70E740481C1C}">
                 <a14:useLocalDpi xmlns:a14="http://schemas.microsoft.com/office/drawing/2010/main" val="0"/>
@@ -8084,7 +8131,7 @@
           <p:nvPr/>
         </p:nvPicPr>
         <p:blipFill>
-          <a:blip r:embed="rId3">
+          <a:blip r:embed="rId4">
             <a:extLst>
               <a:ext uri="{28A0092B-C50C-407E-A947-70E740481C1C}">
                 <a14:useLocalDpi xmlns:a14="http://schemas.microsoft.com/office/drawing/2010/main" val="0"/>
@@ -8105,53 +8152,6 @@
           </a:prstGeom>
         </p:spPr>
       </p:pic>
-      <p:pic>
-        <p:nvPicPr>
-          <p:cNvPr id="4102" name="Picture 6">
-            <a:extLst>
-              <a:ext uri="{FF2B5EF4-FFF2-40B4-BE49-F238E27FC236}">
-                <a16:creationId xmlns:a16="http://schemas.microsoft.com/office/drawing/2014/main" id="{84140B91-C1BF-E8FB-408B-4E2C6AF7C562}"/>
-              </a:ext>
-            </a:extLst>
-          </p:cNvPr>
-          <p:cNvPicPr>
-            <a:picLocks noChangeAspect="1" noChangeArrowheads="1"/>
-          </p:cNvPicPr>
-          <p:nvPr/>
-        </p:nvPicPr>
-        <p:blipFill>
-          <a:blip r:embed="rId4">
-            <a:extLst>
-              <a:ext uri="{28A0092B-C50C-407E-A947-70E740481C1C}">
-                <a14:useLocalDpi xmlns:a14="http://schemas.microsoft.com/office/drawing/2010/main" val="0"/>
-              </a:ext>
-            </a:extLst>
-          </a:blip>
-          <a:srcRect/>
-          <a:stretch>
-            <a:fillRect/>
-          </a:stretch>
-        </p:blipFill>
-        <p:spPr bwMode="auto">
-          <a:xfrm>
-            <a:off x="6096000" y="1283244"/>
-            <a:ext cx="5966843" cy="4159775"/>
-          </a:xfrm>
-          <a:prstGeom prst="rect">
-            <a:avLst/>
-          </a:prstGeom>
-          <a:noFill/>
-          <a:extLst>
-            <a:ext uri="{909E8E84-426E-40DD-AFC4-6F175D3DCCD1}">
-              <a14:hiddenFill xmlns:a14="http://schemas.microsoft.com/office/drawing/2010/main">
-                <a:solidFill>
-                  <a:srgbClr val="FFFFFF"/>
-                </a:solidFill>
-              </a14:hiddenFill>
-            </a:ext>
-          </a:extLst>
-        </p:spPr>
-      </p:pic>
       <p:sp>
         <p:nvSpPr>
           <p:cNvPr id="6" name="Oval 5">
@@ -8166,7 +8166,7 @@
         </p:nvSpPr>
         <p:spPr>
           <a:xfrm rot="19854116">
-            <a:off x="8300523" y="1895845"/>
+            <a:off x="8300523" y="2076993"/>
             <a:ext cx="3992866" cy="1631221"/>
           </a:xfrm>
           <a:prstGeom prst="ellipse">

--- a/turtle_games_Alex_Nott_presentation.pptx
+++ b/turtle_games_Alex_Nott_presentation.pptx
@@ -136,7 +136,7 @@
   <pc:docChgLst>
     <pc:chgData name="Alex Nott" userId="1c211493c69eb70a" providerId="LiveId" clId="{C1A48B65-1002-47BE-BB40-52F466E86963}"/>
     <pc:docChg chg="undo custSel addSld delSld modSld sldOrd">
-      <pc:chgData name="Alex Nott" userId="1c211493c69eb70a" providerId="LiveId" clId="{C1A48B65-1002-47BE-BB40-52F466E86963}" dt="2023-07-22T11:09:51.665" v="12758" actId="20577"/>
+      <pc:chgData name="Alex Nott" userId="1c211493c69eb70a" providerId="LiveId" clId="{C1A48B65-1002-47BE-BB40-52F466E86963}" dt="2023-07-24T08:29:37.159" v="12761" actId="20577"/>
       <pc:docMkLst>
         <pc:docMk/>
       </pc:docMkLst>
@@ -464,7 +464,7 @@
         </pc:picChg>
       </pc:sldChg>
       <pc:sldChg chg="addSp delSp modSp add mod">
-        <pc:chgData name="Alex Nott" userId="1c211493c69eb70a" providerId="LiveId" clId="{C1A48B65-1002-47BE-BB40-52F466E86963}" dt="2023-07-22T11:08:53.335" v="12710" actId="20577"/>
+        <pc:chgData name="Alex Nott" userId="1c211493c69eb70a" providerId="LiveId" clId="{C1A48B65-1002-47BE-BB40-52F466E86963}" dt="2023-07-24T08:29:37.159" v="12761" actId="20577"/>
         <pc:sldMkLst>
           <pc:docMk/>
           <pc:sldMk cId="388798145" sldId="261"/>
@@ -478,7 +478,7 @@
           </ac:spMkLst>
         </pc:spChg>
         <pc:spChg chg="mod">
-          <ac:chgData name="Alex Nott" userId="1c211493c69eb70a" providerId="LiveId" clId="{C1A48B65-1002-47BE-BB40-52F466E86963}" dt="2023-07-22T11:08:53.335" v="12710" actId="20577"/>
+          <ac:chgData name="Alex Nott" userId="1c211493c69eb70a" providerId="LiveId" clId="{C1A48B65-1002-47BE-BB40-52F466E86963}" dt="2023-07-24T08:29:37.159" v="12761" actId="20577"/>
           <ac:spMkLst>
             <pc:docMk/>
             <pc:sldMk cId="388798145" sldId="261"/>
@@ -1474,7 +1474,7 @@
           <a:p>
             <a:fld id="{B3CC3E4E-7464-425B-BD5C-16AB80441681}" type="datetimeFigureOut">
               <a:rPr lang="en-GB" smtClean="0"/>
-              <a:t>22/07/2023</a:t>
+              <a:t>24/07/2023</a:t>
             </a:fld>
             <a:endParaRPr lang="en-GB"/>
           </a:p>
@@ -1674,7 +1674,7 @@
           <a:p>
             <a:fld id="{B3CC3E4E-7464-425B-BD5C-16AB80441681}" type="datetimeFigureOut">
               <a:rPr lang="en-GB" smtClean="0"/>
-              <a:t>22/07/2023</a:t>
+              <a:t>24/07/2023</a:t>
             </a:fld>
             <a:endParaRPr lang="en-GB"/>
           </a:p>
@@ -1884,7 +1884,7 @@
           <a:p>
             <a:fld id="{B3CC3E4E-7464-425B-BD5C-16AB80441681}" type="datetimeFigureOut">
               <a:rPr lang="en-GB" smtClean="0"/>
-              <a:t>22/07/2023</a:t>
+              <a:t>24/07/2023</a:t>
             </a:fld>
             <a:endParaRPr lang="en-GB"/>
           </a:p>
@@ -2084,7 +2084,7 @@
           <a:p>
             <a:fld id="{B3CC3E4E-7464-425B-BD5C-16AB80441681}" type="datetimeFigureOut">
               <a:rPr lang="en-GB" smtClean="0"/>
-              <a:t>22/07/2023</a:t>
+              <a:t>24/07/2023</a:t>
             </a:fld>
             <a:endParaRPr lang="en-GB"/>
           </a:p>
@@ -2360,7 +2360,7 @@
           <a:p>
             <a:fld id="{B3CC3E4E-7464-425B-BD5C-16AB80441681}" type="datetimeFigureOut">
               <a:rPr lang="en-GB" smtClean="0"/>
-              <a:t>22/07/2023</a:t>
+              <a:t>24/07/2023</a:t>
             </a:fld>
             <a:endParaRPr lang="en-GB"/>
           </a:p>
@@ -2628,7 +2628,7 @@
           <a:p>
             <a:fld id="{B3CC3E4E-7464-425B-BD5C-16AB80441681}" type="datetimeFigureOut">
               <a:rPr lang="en-GB" smtClean="0"/>
-              <a:t>22/07/2023</a:t>
+              <a:t>24/07/2023</a:t>
             </a:fld>
             <a:endParaRPr lang="en-GB"/>
           </a:p>
@@ -3043,7 +3043,7 @@
           <a:p>
             <a:fld id="{B3CC3E4E-7464-425B-BD5C-16AB80441681}" type="datetimeFigureOut">
               <a:rPr lang="en-GB" smtClean="0"/>
-              <a:t>22/07/2023</a:t>
+              <a:t>24/07/2023</a:t>
             </a:fld>
             <a:endParaRPr lang="en-GB"/>
           </a:p>
@@ -3185,7 +3185,7 @@
           <a:p>
             <a:fld id="{B3CC3E4E-7464-425B-BD5C-16AB80441681}" type="datetimeFigureOut">
               <a:rPr lang="en-GB" smtClean="0"/>
-              <a:t>22/07/2023</a:t>
+              <a:t>24/07/2023</a:t>
             </a:fld>
             <a:endParaRPr lang="en-GB"/>
           </a:p>
@@ -3298,7 +3298,7 @@
           <a:p>
             <a:fld id="{B3CC3E4E-7464-425B-BD5C-16AB80441681}" type="datetimeFigureOut">
               <a:rPr lang="en-GB" smtClean="0"/>
-              <a:t>22/07/2023</a:t>
+              <a:t>24/07/2023</a:t>
             </a:fld>
             <a:endParaRPr lang="en-GB"/>
           </a:p>
@@ -3611,7 +3611,7 @@
           <a:p>
             <a:fld id="{B3CC3E4E-7464-425B-BD5C-16AB80441681}" type="datetimeFigureOut">
               <a:rPr lang="en-GB" smtClean="0"/>
-              <a:t>22/07/2023</a:t>
+              <a:t>24/07/2023</a:t>
             </a:fld>
             <a:endParaRPr lang="en-GB"/>
           </a:p>
@@ -3900,7 +3900,7 @@
           <a:p>
             <a:fld id="{B3CC3E4E-7464-425B-BD5C-16AB80441681}" type="datetimeFigureOut">
               <a:rPr lang="en-GB" smtClean="0"/>
-              <a:t>22/07/2023</a:t>
+              <a:t>24/07/2023</a:t>
             </a:fld>
             <a:endParaRPr lang="en-GB"/>
           </a:p>
@@ -4143,7 +4143,7 @@
           <a:p>
             <a:fld id="{B3CC3E4E-7464-425B-BD5C-16AB80441681}" type="datetimeFigureOut">
               <a:rPr lang="en-GB" smtClean="0"/>
-              <a:t>22/07/2023</a:t>
+              <a:t>24/07/2023</a:t>
             </a:fld>
             <a:endParaRPr lang="en-GB"/>
           </a:p>
@@ -7608,7 +7608,15 @@
             <a:pPr lvl="1"/>
             <a:r>
               <a:rPr lang="en-GB" sz="2200" dirty="0"/>
-              <a:t>Every 1 year older = 0.042 drop in loyalty points</a:t>
+              <a:t>Every 1 year older </a:t>
+            </a:r>
+            <a:r>
+              <a:rPr lang="en-GB" sz="2200"/>
+              <a:t>= 4.2 </a:t>
+            </a:r>
+            <a:r>
+              <a:rPr lang="en-GB" sz="2200" dirty="0"/>
+              <a:t>drop in loyalty points</a:t>
             </a:r>
           </a:p>
           <a:p>
